--- a/PythonTutor/Training-basic.pptx
+++ b/PythonTutor/Training-basic.pptx
@@ -232,7 +232,7 @@
           <a:p>
             <a:fld id="{8EB33BB8-6C7A-4BE0-9B55-9EAC48D52EC6}" type="datetimeFigureOut">
               <a:rPr lang="en-US"/>
-              <a:t>4/29/20</a:t>
+              <a:t>4/30/20</a:t>
             </a:fld>
             <a:endParaRPr/>
           </a:p>
@@ -406,7 +406,7 @@
           <a:p>
             <a:fld id="{C611EF64-F73B-4314-BB6F-BC0937BBDF19}" type="datetimeFigureOut">
               <a:rPr lang="en-US"/>
-              <a:t>4/29/20</a:t>
+              <a:t>4/30/20</a:t>
             </a:fld>
             <a:endParaRPr/>
           </a:p>
@@ -1250,7 +1250,7 @@
           <a:p>
             <a:fld id="{45F104B1-9DF5-0940-8A96-4F195DA0530F}" type="datetime5">
               <a:rPr lang="en-US" smtClean="0"/>
-              <a:t>29-Apr-20</a:t>
+              <a:t>30-Apr-20</a:t>
             </a:fld>
             <a:endParaRPr/>
           </a:p>
@@ -1425,7 +1425,7 @@
           <a:p>
             <a:fld id="{E7EE8339-140B-7547-AF57-3681209C8381}" type="datetime5">
               <a:rPr lang="en-US" smtClean="0"/>
-              <a:t>29-Apr-20</a:t>
+              <a:t>30-Apr-20</a:t>
             </a:fld>
             <a:endParaRPr/>
           </a:p>
@@ -1609,7 +1609,7 @@
           <a:p>
             <a:fld id="{C047F636-1070-024D-8556-2B0E6D502E01}" type="datetime5">
               <a:rPr lang="en-US" smtClean="0"/>
-              <a:t>29-Apr-20</a:t>
+              <a:t>30-Apr-20</a:t>
             </a:fld>
             <a:endParaRPr/>
           </a:p>
@@ -1799,7 +1799,7 @@
           <a:p>
             <a:fld id="{1C2959D1-B80B-6646-B4B9-B0140891DA45}" type="datetime5">
               <a:rPr lang="en-US" smtClean="0"/>
-              <a:t>29-Apr-20</a:t>
+              <a:t>30-Apr-20</a:t>
             </a:fld>
             <a:endParaRPr/>
           </a:p>
@@ -2065,7 +2065,7 @@
           <a:p>
             <a:fld id="{739F464A-8322-114B-82A2-6B4823BD17EF}" type="datetime5">
               <a:rPr lang="en-US" smtClean="0"/>
-              <a:t>29-Apr-20</a:t>
+              <a:t>30-Apr-20</a:t>
             </a:fld>
             <a:endParaRPr/>
           </a:p>
@@ -2301,7 +2301,7 @@
           <a:p>
             <a:fld id="{4204C918-BFE1-1A4E-9976-AC80F826AF5E}" type="datetime5">
               <a:rPr lang="en-US" smtClean="0"/>
-              <a:t>29-Apr-20</a:t>
+              <a:t>30-Apr-20</a:t>
             </a:fld>
             <a:endParaRPr/>
           </a:p>
@@ -2685,7 +2685,7 @@
           <a:p>
             <a:fld id="{93B44E9E-3502-B14E-A666-E1AAD0A57692}" type="datetime5">
               <a:rPr lang="en-US" smtClean="0"/>
-              <a:t>29-Apr-20</a:t>
+              <a:t>30-Apr-20</a:t>
             </a:fld>
             <a:endParaRPr/>
           </a:p>
@@ -2807,7 +2807,7 @@
           <a:p>
             <a:fld id="{6C8CF949-FB76-D442-94B5-FBA2145B1FF4}" type="datetime5">
               <a:rPr lang="en-US" smtClean="0"/>
-              <a:t>29-Apr-20</a:t>
+              <a:t>30-Apr-20</a:t>
             </a:fld>
             <a:endParaRPr/>
           </a:p>
@@ -2920,7 +2920,7 @@
           <a:p>
             <a:fld id="{C5160AF7-1B66-2645-9F44-4362E2B199D3}" type="datetime5">
               <a:rPr lang="en-US" smtClean="0"/>
-              <a:t>29-Apr-20</a:t>
+              <a:t>30-Apr-20</a:t>
             </a:fld>
             <a:endParaRPr/>
           </a:p>
@@ -3228,7 +3228,7 @@
           <a:p>
             <a:fld id="{BC44A34A-D9F7-4F41-9146-4744FE5CE85D}" type="datetime5">
               <a:rPr lang="en-US" smtClean="0"/>
-              <a:t>29-Apr-20</a:t>
+              <a:t>30-Apr-20</a:t>
             </a:fld>
             <a:endParaRPr/>
           </a:p>
@@ -3571,7 +3571,7 @@
           <a:p>
             <a:fld id="{E7C2EB2F-C5EE-624D-827B-C266604C6196}" type="datetime5">
               <a:rPr lang="en-US" smtClean="0"/>
-              <a:t>29-Apr-20</a:t>
+              <a:t>30-Apr-20</a:t>
             </a:fld>
             <a:endParaRPr/>
           </a:p>
@@ -3795,7 +3795,7 @@
           <a:p>
             <a:fld id="{3D1066E8-9304-5048-8079-A0084ACF0F47}" type="datetime5">
               <a:rPr lang="en-US" smtClean="0"/>
-              <a:t>29-Apr-20</a:t>
+              <a:t>30-Apr-20</a:t>
             </a:fld>
             <a:endParaRPr lang="en-US"/>
           </a:p>
@@ -4650,7 +4650,7 @@
           <a:p>
             <a:fld id="{B8C46DE8-3605-4443-BE9C-D490819570DD}" type="datetime5">
               <a:rPr lang="en-US" smtClean="0"/>
-              <a:t>29-Apr-20</a:t>
+              <a:t>30-Apr-20</a:t>
             </a:fld>
             <a:endParaRPr lang="en-US"/>
           </a:p>
@@ -5118,7 +5118,7 @@
           <a:p>
             <a:fld id="{1C2959D1-B80B-6646-B4B9-B0140891DA45}" type="datetime5">
               <a:rPr lang="en-US" smtClean="0"/>
-              <a:t>29-Apr-20</a:t>
+              <a:t>30-Apr-20</a:t>
             </a:fld>
             <a:endParaRPr lang="en-US"/>
           </a:p>
@@ -5494,7 +5494,7 @@
           <a:p>
             <a:fld id="{B8C46DE8-3605-4443-BE9C-D490819570DD}" type="datetime5">
               <a:rPr lang="en-US" smtClean="0"/>
-              <a:t>29-Apr-20</a:t>
+              <a:t>30-Apr-20</a:t>
             </a:fld>
             <a:endParaRPr lang="en-US"/>
           </a:p>
@@ -6024,7 +6024,7 @@
           <a:p>
             <a:fld id="{1C2959D1-B80B-6646-B4B9-B0140891DA45}" type="datetime5">
               <a:rPr lang="en-US" smtClean="0"/>
-              <a:t>29-Apr-20</a:t>
+              <a:t>30-Apr-20</a:t>
             </a:fld>
             <a:endParaRPr lang="en-US"/>
           </a:p>
@@ -6400,7 +6400,7 @@
           <a:p>
             <a:fld id="{B8C46DE8-3605-4443-BE9C-D490819570DD}" type="datetime5">
               <a:rPr lang="en-US" smtClean="0"/>
-              <a:t>29-Apr-20</a:t>
+              <a:t>30-Apr-20</a:t>
             </a:fld>
             <a:endParaRPr lang="en-US"/>
           </a:p>
@@ -6880,7 +6880,7 @@
           <a:p>
             <a:fld id="{1C2959D1-B80B-6646-B4B9-B0140891DA45}" type="datetime5">
               <a:rPr lang="en-US" smtClean="0"/>
-              <a:t>29-Apr-20</a:t>
+              <a:t>30-Apr-20</a:t>
             </a:fld>
             <a:endParaRPr lang="en-US"/>
           </a:p>
@@ -7256,7 +7256,7 @@
           <a:p>
             <a:fld id="{B8C46DE8-3605-4443-BE9C-D490819570DD}" type="datetime5">
               <a:rPr lang="en-US" smtClean="0"/>
-              <a:t>29-Apr-20</a:t>
+              <a:t>30-Apr-20</a:t>
             </a:fld>
             <a:endParaRPr lang="en-US"/>
           </a:p>
@@ -7717,7 +7717,7 @@
           <a:p>
             <a:fld id="{1C2959D1-B80B-6646-B4B9-B0140891DA45}" type="datetime5">
               <a:rPr lang="en-US" smtClean="0"/>
-              <a:t>29-Apr-20</a:t>
+              <a:t>30-Apr-20</a:t>
             </a:fld>
             <a:endParaRPr lang="en-US"/>
           </a:p>
@@ -8093,7 +8093,7 @@
           <a:p>
             <a:fld id="{B8C46DE8-3605-4443-BE9C-D490819570DD}" type="datetime5">
               <a:rPr lang="en-US" smtClean="0"/>
-              <a:t>29-Apr-20</a:t>
+              <a:t>30-Apr-20</a:t>
             </a:fld>
             <a:endParaRPr lang="en-US"/>
           </a:p>
@@ -8505,7 +8505,7 @@
           <a:p>
             <a:fld id="{1C2959D1-B80B-6646-B4B9-B0140891DA45}" type="datetime5">
               <a:rPr lang="en-US" smtClean="0"/>
-              <a:t>29-Apr-20</a:t>
+              <a:t>30-Apr-20</a:t>
             </a:fld>
             <a:endParaRPr lang="en-US"/>
           </a:p>
@@ -9190,7 +9190,7 @@
           <a:p>
             <a:fld id="{19A417BE-FEBC-6642-BA61-9C526DC3CDCC}" type="datetime5">
               <a:rPr lang="en-US" smtClean="0"/>
-              <a:t>29-Apr-20</a:t>
+              <a:t>30-Apr-20</a:t>
             </a:fld>
             <a:endParaRPr lang="en-US"/>
           </a:p>
@@ -9509,7 +9509,7 @@
           <a:p>
             <a:fld id="{B8C46DE8-3605-4443-BE9C-D490819570DD}" type="datetime5">
               <a:rPr lang="en-US" smtClean="0"/>
-              <a:t>29-Apr-20</a:t>
+              <a:t>30-Apr-20</a:t>
             </a:fld>
             <a:endParaRPr lang="en-US"/>
           </a:p>
@@ -9980,7 +9980,7 @@
           <a:p>
             <a:fld id="{1C2959D1-B80B-6646-B4B9-B0140891DA45}" type="datetime5">
               <a:rPr lang="en-US" smtClean="0"/>
-              <a:t>29-Apr-20</a:t>
+              <a:t>30-Apr-20</a:t>
             </a:fld>
             <a:endParaRPr lang="en-US"/>
           </a:p>
@@ -10356,7 +10356,7 @@
           <a:p>
             <a:fld id="{B8C46DE8-3605-4443-BE9C-D490819570DD}" type="datetime5">
               <a:rPr lang="en-US" smtClean="0"/>
-              <a:t>29-Apr-20</a:t>
+              <a:t>30-Apr-20</a:t>
             </a:fld>
             <a:endParaRPr lang="en-US"/>
           </a:p>
@@ -10659,6 +10659,13 @@
             </a:r>
           </a:p>
           <a:p>
+            <a:pPr lvl="1"/>
+            <a:r>
+              <a:rPr lang="en-US" dirty="0"/>
+              <a:t>Iterate using ‘for’ loop</a:t>
+            </a:r>
+          </a:p>
+          <a:p>
             <a:r>
               <a:rPr lang="en-US" dirty="0"/>
               <a:t>Create set with multiple string. </a:t>
@@ -10672,7 +10679,7 @@
             </a:r>
             <a:r>
               <a:rPr lang="en-US" dirty="0" err="1"/>
-              <a:t>mylistt</a:t>
+              <a:t>mylist</a:t>
             </a:r>
             <a:r>
               <a:rPr lang="en-US" dirty="0"/>
@@ -10688,6 +10695,7 @@
             </a:r>
           </a:p>
           <a:p>
+            <a:pPr lvl="1"/>
             <a:r>
               <a:rPr lang="en-US" dirty="0"/>
               <a:t>Iterate using loops: while &amp; for</a:t>
@@ -10839,7 +10847,7 @@
           <a:p>
             <a:fld id="{1C2959D1-B80B-6646-B4B9-B0140891DA45}" type="datetime5">
               <a:rPr lang="en-US" smtClean="0"/>
-              <a:t>29-Apr-20</a:t>
+              <a:t>30-Apr-20</a:t>
             </a:fld>
             <a:endParaRPr lang="en-US"/>
           </a:p>
@@ -11220,7 +11228,7 @@
           <a:p>
             <a:fld id="{B8C46DE8-3605-4443-BE9C-D490819570DD}" type="datetime5">
               <a:rPr lang="en-US" smtClean="0"/>
-              <a:t>29-Apr-20</a:t>
+              <a:t>30-Apr-20</a:t>
             </a:fld>
             <a:endParaRPr lang="en-US"/>
           </a:p>
@@ -11610,37 +11618,55 @@
           <a:p>
             <a:r>
               <a:rPr lang="en-US" sz="4000" dirty="0"/>
-              <a:t>Functions</a:t>
+              <a:t> code at </a:t>
+            </a:r>
+            <a:r>
+              <a:rPr lang="en-US" sz="1200" dirty="0">
+                <a:hlinkClick r:id="rId2"/>
+              </a:rPr>
+              <a:t>https://github.com/krishnamanchikalapudi/examples.py/tree/develop/PythonTutor</a:t>
+            </a:r>
+            <a:endParaRPr lang="en-US" sz="1200" dirty="0"/>
+          </a:p>
+          <a:p>
+            <a:r>
+              <a:rPr lang="en-US" sz="4000" dirty="0"/>
+              <a:t>Samples</a:t>
             </a:r>
           </a:p>
           <a:p>
             <a:pPr lvl="1"/>
             <a:r>
-              <a:rPr lang="en-US" sz="2600" dirty="0" err="1"/>
-              <a:t>fibonacci</a:t>
-            </a:r>
-            <a:endParaRPr lang="en-US" sz="2600" dirty="0"/>
+              <a:rPr lang="en-US" sz="2600" dirty="0"/>
+              <a:t>Rolling the dice</a:t>
+            </a:r>
           </a:p>
           <a:p>
             <a:pPr lvl="1"/>
             <a:r>
               <a:rPr lang="en-US" sz="2600" dirty="0"/>
-              <a:t>prime</a:t>
+              <a:t>Draw: square, rectangle, circle</a:t>
             </a:r>
           </a:p>
           <a:p>
             <a:pPr lvl="1"/>
             <a:r>
               <a:rPr lang="en-US" sz="2600" dirty="0"/>
-              <a:t>s</a:t>
-            </a:r>
-            <a:r>
-              <a:rPr lang="en-US" sz="2600"/>
-              <a:t>wap </a:t>
-            </a:r>
+              <a:t>Fibonacci </a:t>
+            </a:r>
+          </a:p>
+          <a:p>
+            <a:pPr lvl="1"/>
             <a:r>
               <a:rPr lang="en-US" sz="2600" dirty="0"/>
-              <a:t>values</a:t>
+              <a:t>Prime number</a:t>
+            </a:r>
+          </a:p>
+          <a:p>
+            <a:pPr lvl="1"/>
+            <a:r>
+              <a:rPr lang="en-US" sz="2600" dirty="0"/>
+              <a:t>swap values</a:t>
             </a:r>
           </a:p>
         </p:txBody>
@@ -11668,7 +11694,7 @@
           <a:p>
             <a:fld id="{1C2959D1-B80B-6646-B4B9-B0140891DA45}" type="datetime5">
               <a:rPr lang="en-US" smtClean="0"/>
-              <a:t>29-Apr-20</a:t>
+              <a:t>30-Apr-20</a:t>
             </a:fld>
             <a:endParaRPr lang="en-US" dirty="0"/>
           </a:p>
@@ -11827,7 +11853,7 @@
           <a:p>
             <a:fld id="{B8C46DE8-3605-4443-BE9C-D490819570DD}" type="datetime5">
               <a:rPr lang="en-US" smtClean="0"/>
-              <a:t>29-Apr-20</a:t>
+              <a:t>30-Apr-20</a:t>
             </a:fld>
             <a:endParaRPr lang="en-US"/>
           </a:p>
@@ -12026,7 +12052,7 @@
           <a:p>
             <a:fld id="{01302147-2970-2E4D-8BE0-3CD7A78A9CB5}" type="datetime5">
               <a:rPr lang="en-US" smtClean="0"/>
-              <a:t>29-Apr-20</a:t>
+              <a:t>30-Apr-20</a:t>
             </a:fld>
             <a:endParaRPr lang="en-US" dirty="0"/>
           </a:p>
@@ -12209,7 +12235,7 @@
           <a:p>
             <a:fld id="{3DF6BA7D-DA2A-924F-943E-9C4FC1393D88}" type="datetime5">
               <a:rPr lang="en-US" smtClean="0"/>
-              <a:t>29-Apr-20</a:t>
+              <a:t>30-Apr-20</a:t>
             </a:fld>
             <a:endParaRPr lang="en-US"/>
           </a:p>
@@ -12339,7 +12365,7 @@
           <a:p>
             <a:fld id="{1C2959D1-B80B-6646-B4B9-B0140891DA45}" type="datetime5">
               <a:rPr lang="en-US" smtClean="0"/>
-              <a:t>29-Apr-20</a:t>
+              <a:t>30-Apr-20</a:t>
             </a:fld>
             <a:endParaRPr lang="en-US"/>
           </a:p>
@@ -12566,7 +12592,7 @@
           <a:p>
             <a:fld id="{739F464A-8322-114B-82A2-6B4823BD17EF}" type="datetime5">
               <a:rPr lang="en-US" smtClean="0"/>
-              <a:t>29-Apr-20</a:t>
+              <a:t>30-Apr-20</a:t>
             </a:fld>
             <a:endParaRPr lang="en-US"/>
           </a:p>
@@ -12793,7 +12819,7 @@
           <a:p>
             <a:fld id="{739F464A-8322-114B-82A2-6B4823BD17EF}" type="datetime5">
               <a:rPr lang="en-US" smtClean="0"/>
-              <a:t>29-Apr-20</a:t>
+              <a:t>30-Apr-20</a:t>
             </a:fld>
             <a:endParaRPr lang="en-US"/>
           </a:p>
@@ -13036,7 +13062,7 @@
           <a:p>
             <a:fld id="{739F464A-8322-114B-82A2-6B4823BD17EF}" type="datetime5">
               <a:rPr lang="en-US" smtClean="0"/>
-              <a:t>29-Apr-20</a:t>
+              <a:t>30-Apr-20</a:t>
             </a:fld>
             <a:endParaRPr lang="en-US"/>
           </a:p>
@@ -13248,7 +13274,7 @@
           <a:p>
             <a:fld id="{1C2959D1-B80B-6646-B4B9-B0140891DA45}" type="datetime5">
               <a:rPr lang="en-US" smtClean="0"/>
-              <a:t>29-Apr-20</a:t>
+              <a:t>30-Apr-20</a:t>
             </a:fld>
             <a:endParaRPr lang="en-US"/>
           </a:p>
